--- a/統計應用軟體期末海報.pptx
+++ b/統計應用軟體期末海報.pptx
@@ -5003,7 +5003,7 @@
         <p:spPr>
           <a:xfrm>
             <a:off x="17600697" y="32206725"/>
-            <a:ext cx="11701504" cy="4045334"/>
+            <a:ext cx="11701504" cy="3925730"/>
           </a:xfrm>
           <a:prstGeom prst="rect">
             <a:avLst/>

--- a/統計應用軟體期末海報.pptx
+++ b/統計應用軟體期末海報.pptx
@@ -254,7 +254,7 @@
           <a:p>
             <a:fld id="{C580F354-F3CB-4C5C-A1BB-5F7DD257D8E1}" type="datetimeFigureOut">
               <a:rPr lang="zh-TW" altLang="en-US" smtClean="0"/>
-              <a:t>2025/4/19</a:t>
+              <a:t>2025/4/20</a:t>
             </a:fld>
             <a:endParaRPr lang="zh-TW" altLang="en-US"/>
           </a:p>
@@ -424,7 +424,7 @@
           <a:p>
             <a:fld id="{C580F354-F3CB-4C5C-A1BB-5F7DD257D8E1}" type="datetimeFigureOut">
               <a:rPr lang="zh-TW" altLang="en-US" smtClean="0"/>
-              <a:t>2025/4/19</a:t>
+              <a:t>2025/4/20</a:t>
             </a:fld>
             <a:endParaRPr lang="zh-TW" altLang="en-US"/>
           </a:p>
@@ -604,7 +604,7 @@
           <a:p>
             <a:fld id="{C580F354-F3CB-4C5C-A1BB-5F7DD257D8E1}" type="datetimeFigureOut">
               <a:rPr lang="zh-TW" altLang="en-US" smtClean="0"/>
-              <a:t>2025/4/19</a:t>
+              <a:t>2025/4/20</a:t>
             </a:fld>
             <a:endParaRPr lang="zh-TW" altLang="en-US"/>
           </a:p>
@@ -774,7 +774,7 @@
           <a:p>
             <a:fld id="{C580F354-F3CB-4C5C-A1BB-5F7DD257D8E1}" type="datetimeFigureOut">
               <a:rPr lang="zh-TW" altLang="en-US" smtClean="0"/>
-              <a:t>2025/4/19</a:t>
+              <a:t>2025/4/20</a:t>
             </a:fld>
             <a:endParaRPr lang="zh-TW" altLang="en-US"/>
           </a:p>
@@ -1025,7 +1025,7 @@
           <a:p>
             <a:fld id="{C580F354-F3CB-4C5C-A1BB-5F7DD257D8E1}" type="datetimeFigureOut">
               <a:rPr lang="zh-TW" altLang="en-US" smtClean="0"/>
-              <a:t>2025/4/19</a:t>
+              <a:t>2025/4/20</a:t>
             </a:fld>
             <a:endParaRPr lang="zh-TW" altLang="en-US"/>
           </a:p>
@@ -1257,7 +1257,7 @@
           <a:p>
             <a:fld id="{C580F354-F3CB-4C5C-A1BB-5F7DD257D8E1}" type="datetimeFigureOut">
               <a:rPr lang="zh-TW" altLang="en-US" smtClean="0"/>
-              <a:t>2025/4/19</a:t>
+              <a:t>2025/4/20</a:t>
             </a:fld>
             <a:endParaRPr lang="zh-TW" altLang="en-US"/>
           </a:p>
@@ -1604,7 +1604,7 @@
           <a:p>
             <a:fld id="{C580F354-F3CB-4C5C-A1BB-5F7DD257D8E1}" type="datetimeFigureOut">
               <a:rPr lang="zh-TW" altLang="en-US" smtClean="0"/>
-              <a:t>2025/4/19</a:t>
+              <a:t>2025/4/20</a:t>
             </a:fld>
             <a:endParaRPr lang="zh-TW" altLang="en-US"/>
           </a:p>
@@ -1722,7 +1722,7 @@
           <a:p>
             <a:fld id="{C580F354-F3CB-4C5C-A1BB-5F7DD257D8E1}" type="datetimeFigureOut">
               <a:rPr lang="zh-TW" altLang="en-US" smtClean="0"/>
-              <a:t>2025/4/19</a:t>
+              <a:t>2025/4/20</a:t>
             </a:fld>
             <a:endParaRPr lang="zh-TW" altLang="en-US"/>
           </a:p>
@@ -1840,7 +1840,7 @@
           <a:p>
             <a:fld id="{C580F354-F3CB-4C5C-A1BB-5F7DD257D8E1}" type="datetimeFigureOut">
               <a:rPr lang="zh-TW" altLang="en-US" smtClean="0"/>
-              <a:t>2025/4/19</a:t>
+              <a:t>2025/4/20</a:t>
             </a:fld>
             <a:endParaRPr lang="zh-TW" altLang="en-US"/>
           </a:p>
@@ -2124,7 +2124,7 @@
           <a:p>
             <a:fld id="{C580F354-F3CB-4C5C-A1BB-5F7DD257D8E1}" type="datetimeFigureOut">
               <a:rPr lang="zh-TW" altLang="en-US" smtClean="0"/>
-              <a:t>2025/4/19</a:t>
+              <a:t>2025/4/20</a:t>
             </a:fld>
             <a:endParaRPr lang="zh-TW" altLang="en-US"/>
           </a:p>
@@ -2388,7 +2388,7 @@
           <a:p>
             <a:fld id="{C580F354-F3CB-4C5C-A1BB-5F7DD257D8E1}" type="datetimeFigureOut">
               <a:rPr lang="zh-TW" altLang="en-US" smtClean="0"/>
-              <a:t>2025/4/19</a:t>
+              <a:t>2025/4/20</a:t>
             </a:fld>
             <a:endParaRPr lang="zh-TW" altLang="en-US"/>
           </a:p>
@@ -2602,7 +2602,7 @@
           <a:p>
             <a:fld id="{C580F354-F3CB-4C5C-A1BB-5F7DD257D8E1}" type="datetimeFigureOut">
               <a:rPr lang="zh-TW" altLang="en-US" smtClean="0"/>
-              <a:t>2025/4/19</a:t>
+              <a:t>2025/4/20</a:t>
             </a:fld>
             <a:endParaRPr lang="zh-TW" altLang="en-US"/>
           </a:p>
@@ -3781,8 +3781,8 @@
         </p:nvSpPr>
         <p:spPr>
           <a:xfrm>
-            <a:off x="1363484" y="886353"/>
-            <a:ext cx="30707553" cy="1323439"/>
+            <a:off x="1097500" y="1046092"/>
+            <a:ext cx="29575270" cy="1323439"/>
           </a:xfrm>
           <a:prstGeom prst="rect">
             <a:avLst/>
@@ -3795,19 +3795,20 @@
           </a:bodyPr>
           <a:lstStyle/>
           <a:p>
+            <a:pPr algn="ctr"/>
             <a:r>
               <a:rPr lang="zh-TW" altLang="en-US" sz="8000" dirty="0">
                 <a:latin typeface="標楷體" panose="03000509000000000000" pitchFamily="65" charset="-120"/>
                 <a:ea typeface="標楷體" panose="03000509000000000000" pitchFamily="65" charset="-120"/>
               </a:rPr>
-              <a:t> </a:t>
+              <a:t> 探討</a:t>
             </a:r>
             <a:r>
               <a:rPr lang="en-US" altLang="zh-TW" sz="8000" dirty="0">
                 <a:latin typeface="標楷體" panose="03000509000000000000" pitchFamily="65" charset="-120"/>
                 <a:ea typeface="標楷體" panose="03000509000000000000" pitchFamily="65" charset="-120"/>
               </a:rPr>
-              <a:t>NBA </a:t>
+              <a:t>NBA</a:t>
             </a:r>
             <a:r>
               <a:rPr lang="zh-TW" altLang="en-US" sz="8000" dirty="0">
@@ -3828,7 +3829,7 @@
                 <a:latin typeface="標楷體" panose="03000509000000000000" pitchFamily="65" charset="-120"/>
                 <a:ea typeface="標楷體" panose="03000509000000000000" pitchFamily="65" charset="-120"/>
               </a:rPr>
-              <a:t>薪資、評分、經驗與球隊之間的關聯</a:t>
+              <a:t>評分、經驗與球隊</a:t>
             </a:r>
             <a:endParaRPr lang="en-US" altLang="zh-TW" sz="8000" dirty="0">
               <a:latin typeface="標楷體" panose="03000509000000000000" pitchFamily="65" charset="-120"/>
@@ -3851,7 +3852,7 @@
         </p:nvSpPr>
         <p:spPr>
           <a:xfrm>
-            <a:off x="8848974" y="2707196"/>
+            <a:off x="8848974" y="2491038"/>
             <a:ext cx="13982200" cy="843757"/>
           </a:xfrm>
           <a:prstGeom prst="rect">
@@ -4468,56 +4469,11 @@
                 </a:solidFill>
                 <a:ea typeface="標楷體" panose="03000509000000000000" pitchFamily="65" charset="-120"/>
               </a:rPr>
-              <a:t>不同球隊</a:t>
-            </a:r>
-            <a:r>
-              <a:rPr lang="zh-TW" altLang="en-US" sz="4880">
-                <a:solidFill>
-                  <a:schemeClr val="tx1"/>
-                </a:solidFill>
-                <a:ea typeface="標楷體" panose="03000509000000000000" pitchFamily="65" charset="-120"/>
-              </a:rPr>
-              <a:t>的球員平均薪資</a:t>
-            </a:r>
-            <a:endParaRPr lang="zh-TW" altLang="en-US" sz="4880" dirty="0">
-              <a:solidFill>
-                <a:schemeClr val="tx1"/>
-              </a:solidFill>
-              <a:ea typeface="標楷體" panose="03000509000000000000" pitchFamily="65" charset="-120"/>
-            </a:endParaRPr>
-          </a:p>
-        </p:txBody>
-      </p:sp>
-      <p:pic>
-        <p:nvPicPr>
-          <p:cNvPr id="55" name="圖片 54">
-            <a:extLst>
-              <a:ext uri="{FF2B5EF4-FFF2-40B4-BE49-F238E27FC236}">
-                <a16:creationId xmlns:a16="http://schemas.microsoft.com/office/drawing/2014/main" id="{7A223D39-6A3D-447E-B07A-53C62868DC78}"/>
-              </a:ext>
-            </a:extLst>
-          </p:cNvPr>
-          <p:cNvPicPr>
-            <a:picLocks noChangeAspect="1"/>
-          </p:cNvPicPr>
-          <p:nvPr/>
-        </p:nvPicPr>
-        <p:blipFill>
-          <a:blip r:embed="rId8"/>
-          <a:stretch>
-            <a:fillRect/>
-          </a:stretch>
-        </p:blipFill>
-        <p:spPr>
-          <a:xfrm>
-            <a:off x="907122" y="26390542"/>
-            <a:ext cx="13800636" cy="10197872"/>
-          </a:xfrm>
-          <a:prstGeom prst="rect">
-            <a:avLst/>
-          </a:prstGeom>
-        </p:spPr>
-      </p:pic>
+              <a:t>不同球隊的球員薪資分布</a:t>
+            </a:r>
+          </a:p>
+        </p:txBody>
+      </p:sp>
       <p:graphicFrame>
         <p:nvGraphicFramePr>
           <p:cNvPr id="56" name="表格 55">
@@ -4995,7 +4951,7 @@
           <p:nvPr/>
         </p:nvPicPr>
         <p:blipFill>
-          <a:blip r:embed="rId9"/>
+          <a:blip r:embed="rId8"/>
           <a:stretch>
             <a:fillRect/>
           </a:stretch>
@@ -5025,7 +4981,7 @@
           <p:nvPr/>
         </p:nvPicPr>
         <p:blipFill>
-          <a:blip r:embed="rId10"/>
+          <a:blip r:embed="rId9"/>
           <a:stretch>
             <a:fillRect/>
           </a:stretch>
@@ -5196,6 +5152,36 @@
           </a:p>
         </p:txBody>
       </p:sp>
+      <p:pic>
+        <p:nvPicPr>
+          <p:cNvPr id="3" name="圖片 2">
+            <a:extLst>
+              <a:ext uri="{FF2B5EF4-FFF2-40B4-BE49-F238E27FC236}">
+                <a16:creationId xmlns:a16="http://schemas.microsoft.com/office/drawing/2014/main" id="{5265AD07-0CE4-4863-9308-26CCF6D0555E}"/>
+              </a:ext>
+            </a:extLst>
+          </p:cNvPr>
+          <p:cNvPicPr>
+            <a:picLocks noChangeAspect="1"/>
+          </p:cNvPicPr>
+          <p:nvPr/>
+        </p:nvPicPr>
+        <p:blipFill>
+          <a:blip r:embed="rId10"/>
+          <a:stretch>
+            <a:fillRect/>
+          </a:stretch>
+        </p:blipFill>
+        <p:spPr>
+          <a:xfrm>
+            <a:off x="907122" y="26406743"/>
+            <a:ext cx="13567565" cy="10041399"/>
+          </a:xfrm>
+          <a:prstGeom prst="rect">
+            <a:avLst/>
+          </a:prstGeom>
+        </p:spPr>
+      </p:pic>
     </p:spTree>
     <p:extLst>
       <p:ext uri="{BB962C8B-B14F-4D97-AF65-F5344CB8AC3E}">

--- a/統計應用軟體期末海報.pptx
+++ b/統計應用軟體期末海報.pptx
@@ -3429,6 +3429,32 @@
               </a:rPr>
               <a:t>NBA 2k20. Data analysis &amp; visualization</a:t>
             </a:r>
+            <a:r>
+              <a:rPr lang="zh-TW" altLang="en-US" sz="4000" b="1" dirty="0">
+                <a:solidFill>
+                  <a:schemeClr val="tx1"/>
+                </a:solidFill>
+              </a:rPr>
+              <a:t>、</a:t>
+            </a:r>
+            <a:r>
+              <a:rPr lang="en-US" altLang="zh-TW" sz="4000" b="1" dirty="0" err="1">
+                <a:solidFill>
+                  <a:schemeClr val="tx1"/>
+                </a:solidFill>
+                <a:hlinkClick r:id="rId3"/>
+              </a:rPr>
+              <a:t>Github</a:t>
+            </a:r>
+            <a:r>
+              <a:rPr lang="en-US" altLang="zh-TW" sz="4000" b="1" dirty="0">
+                <a:solidFill>
+                  <a:schemeClr val="tx1"/>
+                </a:solidFill>
+                <a:hlinkClick r:id="rId3"/>
+              </a:rPr>
+              <a:t>—NBA-Salary-analyze</a:t>
+            </a:r>
             <a:endParaRPr lang="en-US" altLang="zh-TW" sz="4000" b="1" dirty="0">
               <a:solidFill>
                 <a:schemeClr val="tx1"/>
@@ -3918,7 +3944,7 @@
           <p:nvPr/>
         </p:nvPicPr>
         <p:blipFill>
-          <a:blip r:embed="rId3"/>
+          <a:blip r:embed="rId4"/>
           <a:stretch>
             <a:fillRect/>
           </a:stretch>
@@ -4265,7 +4291,7 @@
           <p:nvPr/>
         </p:nvPicPr>
         <p:blipFill>
-          <a:blip r:embed="rId4"/>
+          <a:blip r:embed="rId5"/>
           <a:stretch>
             <a:fillRect/>
           </a:stretch>
@@ -4295,7 +4321,7 @@
           <p:nvPr/>
         </p:nvPicPr>
         <p:blipFill>
-          <a:blip r:embed="rId5"/>
+          <a:blip r:embed="rId6"/>
           <a:stretch>
             <a:fillRect/>
           </a:stretch>
@@ -4325,7 +4351,7 @@
           <p:nvPr/>
         </p:nvPicPr>
         <p:blipFill>
-          <a:blip r:embed="rId6"/>
+          <a:blip r:embed="rId7"/>
           <a:stretch>
             <a:fillRect/>
           </a:stretch>
@@ -4407,7 +4433,7 @@
           <p:nvPr/>
         </p:nvPicPr>
         <p:blipFill>
-          <a:blip r:embed="rId7"/>
+          <a:blip r:embed="rId8"/>
           <a:stretch>
             <a:fillRect/>
           </a:stretch>
@@ -4951,7 +4977,7 @@
           <p:nvPr/>
         </p:nvPicPr>
         <p:blipFill>
-          <a:blip r:embed="rId8"/>
+          <a:blip r:embed="rId9"/>
           <a:stretch>
             <a:fillRect/>
           </a:stretch>
@@ -4981,7 +5007,7 @@
           <p:nvPr/>
         </p:nvPicPr>
         <p:blipFill>
-          <a:blip r:embed="rId9"/>
+          <a:blip r:embed="rId10"/>
           <a:stretch>
             <a:fillRect/>
           </a:stretch>
@@ -5114,8 +5140,8 @@
         </p:nvSpPr>
         <p:spPr>
           <a:xfrm>
-            <a:off x="682056" y="41335756"/>
-            <a:ext cx="2994942" cy="847609"/>
+            <a:off x="682055" y="41335756"/>
+            <a:ext cx="5457487" cy="847609"/>
           </a:xfrm>
           <a:prstGeom prst="rect">
             <a:avLst/>
@@ -5147,7 +5173,7 @@
                 </a:solidFill>
                 <a:ea typeface="標楷體" panose="03000509000000000000" pitchFamily="65" charset="-120"/>
               </a:rPr>
-              <a:t>資料來源</a:t>
+              <a:t>資料來源與程式碼</a:t>
             </a:r>
           </a:p>
         </p:txBody>
@@ -5167,7 +5193,7 @@
           <p:nvPr/>
         </p:nvPicPr>
         <p:blipFill>
-          <a:blip r:embed="rId10"/>
+          <a:blip r:embed="rId11"/>
           <a:stretch>
             <a:fillRect/>
           </a:stretch>

--- a/統計應用軟體期末海報.pptx
+++ b/統計應用軟體期末海報.pptx
@@ -3453,7 +3453,25 @@
                 </a:solidFill>
                 <a:hlinkClick r:id="rId3"/>
               </a:rPr>
-              <a:t>—NBA-Salary-analyze</a:t>
+              <a:t>—NBA-Salary-</a:t>
+            </a:r>
+            <a:r>
+              <a:rPr lang="en-US" altLang="zh-TW" sz="4000" b="1" dirty="0">
+                <a:solidFill>
+                  <a:schemeClr val="tx1"/>
+                </a:solidFill>
+                <a:hlinkClick r:id="rId3"/>
+              </a:rPr>
+              <a:t>a</a:t>
+            </a:r>
+            <a:r>
+              <a:rPr lang="en-US" altLang="zh-TW" sz="4000" b="1" dirty="0">
+                <a:solidFill>
+                  <a:schemeClr val="tx1"/>
+                </a:solidFill>
+                <a:hlinkClick r:id="rId3"/>
+              </a:rPr>
+              <a:t>nalyze</a:t>
             </a:r>
             <a:endParaRPr lang="en-US" altLang="zh-TW" sz="4000" b="1" dirty="0">
               <a:solidFill>
@@ -4298,8 +4316,8 @@
         </p:blipFill>
         <p:spPr>
           <a:xfrm>
-            <a:off x="15614882" y="10739916"/>
-            <a:ext cx="8086904" cy="5644104"/>
+            <a:off x="15614882" y="10422736"/>
+            <a:ext cx="8086904" cy="5341242"/>
           </a:xfrm>
           <a:prstGeom prst="rect">
             <a:avLst/>
@@ -4328,8 +4346,8 @@
         </p:blipFill>
         <p:spPr>
           <a:xfrm>
-            <a:off x="23918060" y="10668752"/>
-            <a:ext cx="7114400" cy="5715268"/>
+            <a:off x="23784701" y="10318636"/>
+            <a:ext cx="7114400" cy="5445342"/>
           </a:xfrm>
           <a:prstGeom prst="rect">
             <a:avLst/>
@@ -4358,8 +4376,8 @@
         </p:blipFill>
         <p:spPr>
           <a:xfrm>
-            <a:off x="15490499" y="18613214"/>
-            <a:ext cx="8298341" cy="5201184"/>
+            <a:off x="15457182" y="18164392"/>
+            <a:ext cx="8225903" cy="5317192"/>
           </a:xfrm>
           <a:prstGeom prst="rect">
             <a:avLst/>
@@ -4440,8 +4458,8 @@
         </p:blipFill>
         <p:spPr>
           <a:xfrm>
-            <a:off x="23701785" y="18329996"/>
-            <a:ext cx="6970985" cy="5557232"/>
+            <a:off x="23683085" y="18164392"/>
+            <a:ext cx="6970985" cy="5317192"/>
           </a:xfrm>
           <a:prstGeom prst="rect">
             <a:avLst/>
@@ -4984,8 +5002,8 @@
         </p:blipFill>
         <p:spPr>
           <a:xfrm>
-            <a:off x="17600697" y="32206725"/>
-            <a:ext cx="11701504" cy="3925730"/>
+            <a:off x="17455562" y="31927100"/>
+            <a:ext cx="11701504" cy="3495947"/>
           </a:xfrm>
           <a:prstGeom prst="rect">
             <a:avLst/>
@@ -5015,7 +5033,7 @@
         <p:spPr>
           <a:xfrm>
             <a:off x="15523461" y="26346206"/>
-            <a:ext cx="15495656" cy="5778758"/>
+            <a:ext cx="15495656" cy="5483896"/>
           </a:xfrm>
           <a:prstGeom prst="rect">
             <a:avLst/>
@@ -5208,6 +5226,250 @@
           </a:prstGeom>
         </p:spPr>
       </p:pic>
+      <p:sp>
+        <p:nvSpPr>
+          <p:cNvPr id="2" name="文字方塊 1">
+            <a:extLst>
+              <a:ext uri="{FF2B5EF4-FFF2-40B4-BE49-F238E27FC236}">
+                <a16:creationId xmlns:a16="http://schemas.microsoft.com/office/drawing/2014/main" id="{3E3DCB01-3ED8-DF98-0590-8996EE60E8A1}"/>
+              </a:ext>
+            </a:extLst>
+          </p:cNvPr>
+          <p:cNvSpPr txBox="1"/>
+          <p:nvPr/>
+        </p:nvSpPr>
+        <p:spPr>
+          <a:xfrm>
+            <a:off x="15628165" y="15763978"/>
+            <a:ext cx="15369583" cy="646331"/>
+          </a:xfrm>
+          <a:prstGeom prst="rect">
+            <a:avLst/>
+          </a:prstGeom>
+          <a:noFill/>
+        </p:spPr>
+        <p:txBody>
+          <a:bodyPr wrap="square" rtlCol="0">
+            <a:spAutoFit/>
+          </a:bodyPr>
+          <a:lstStyle/>
+          <a:p>
+            <a:pPr algn="ctr"/>
+            <a:r>
+              <a:rPr lang="zh-TW" altLang="en-US" sz="3600" dirty="0">
+                <a:latin typeface="標楷體" panose="03000509000000000000" pitchFamily="65" charset="-120"/>
+                <a:ea typeface="標楷體" panose="03000509000000000000" pitchFamily="65" charset="-120"/>
+              </a:rPr>
+              <a:t>增加</a:t>
+            </a:r>
+            <a:r>
+              <a:rPr lang="en-US" altLang="zh-TW" sz="3600" dirty="0">
+                <a:latin typeface="標楷體" panose="03000509000000000000" pitchFamily="65" charset="-120"/>
+                <a:ea typeface="標楷體" panose="03000509000000000000" pitchFamily="65" charset="-120"/>
+              </a:rPr>
+              <a:t>1</a:t>
+            </a:r>
+            <a:r>
+              <a:rPr lang="zh-TW" altLang="en-US" sz="3600" dirty="0">
+                <a:latin typeface="標楷體" panose="03000509000000000000" pitchFamily="65" charset="-120"/>
+                <a:ea typeface="標楷體" panose="03000509000000000000" pitchFamily="65" charset="-120"/>
+              </a:rPr>
+              <a:t>分評分會使薪資增加約</a:t>
+            </a:r>
+            <a:r>
+              <a:rPr lang="en-US" altLang="zh-TW" sz="3600" dirty="0">
+                <a:latin typeface="標楷體" panose="03000509000000000000" pitchFamily="65" charset="-120"/>
+                <a:ea typeface="標楷體" panose="03000509000000000000" pitchFamily="65" charset="-120"/>
+              </a:rPr>
+              <a:t>1.263</a:t>
+            </a:r>
+            <a:r>
+              <a:rPr lang="zh-TW" altLang="en-US" sz="3600" dirty="0">
+                <a:latin typeface="標楷體" panose="03000509000000000000" pitchFamily="65" charset="-120"/>
+                <a:ea typeface="標楷體" panose="03000509000000000000" pitchFamily="65" charset="-120"/>
+              </a:rPr>
+              <a:t>百萬美金，且能解釋約</a:t>
+            </a:r>
+            <a:r>
+              <a:rPr lang="en-US" altLang="zh-TW" sz="3600" dirty="0">
+                <a:latin typeface="標楷體" panose="03000509000000000000" pitchFamily="65" charset="-120"/>
+                <a:ea typeface="標楷體" panose="03000509000000000000" pitchFamily="65" charset="-120"/>
+              </a:rPr>
+              <a:t>60%</a:t>
+            </a:r>
+            <a:r>
+              <a:rPr lang="zh-TW" altLang="en-US" sz="3600" dirty="0">
+                <a:latin typeface="標楷體" panose="03000509000000000000" pitchFamily="65" charset="-120"/>
+                <a:ea typeface="標楷體" panose="03000509000000000000" pitchFamily="65" charset="-120"/>
+              </a:rPr>
+              <a:t>的薪資變異。</a:t>
+            </a:r>
+            <a:endParaRPr lang="zh-TW" altLang="zh-TW" sz="3600" dirty="0">
+              <a:latin typeface="標楷體" panose="03000509000000000000" pitchFamily="65" charset="-120"/>
+              <a:ea typeface="標楷體" panose="03000509000000000000" pitchFamily="65" charset="-120"/>
+              <a:cs typeface="Calibri" panose="020F0502020204030204" pitchFamily="34" charset="0"/>
+            </a:endParaRPr>
+          </a:p>
+        </p:txBody>
+      </p:sp>
+      <p:sp>
+        <p:nvSpPr>
+          <p:cNvPr id="6" name="文字方塊 5">
+            <a:extLst>
+              <a:ext uri="{FF2B5EF4-FFF2-40B4-BE49-F238E27FC236}">
+                <a16:creationId xmlns:a16="http://schemas.microsoft.com/office/drawing/2014/main" id="{6EC29CCF-6665-DF9F-7BDE-DFBF57EFA893}"/>
+              </a:ext>
+            </a:extLst>
+          </p:cNvPr>
+          <p:cNvSpPr txBox="1"/>
+          <p:nvPr/>
+        </p:nvSpPr>
+        <p:spPr>
+          <a:xfrm>
+            <a:off x="15586497" y="23578582"/>
+            <a:ext cx="15369583" cy="646331"/>
+          </a:xfrm>
+          <a:prstGeom prst="rect">
+            <a:avLst/>
+          </a:prstGeom>
+          <a:noFill/>
+        </p:spPr>
+        <p:txBody>
+          <a:bodyPr wrap="square" rtlCol="0">
+            <a:spAutoFit/>
+          </a:bodyPr>
+          <a:lstStyle/>
+          <a:p>
+            <a:pPr algn="ctr"/>
+            <a:r>
+              <a:rPr lang="zh-TW" altLang="en-US" sz="3600" dirty="0">
+                <a:latin typeface="標楷體" panose="03000509000000000000" pitchFamily="65" charset="-120"/>
+                <a:ea typeface="標楷體" panose="03000509000000000000" pitchFamily="65" charset="-120"/>
+              </a:rPr>
+              <a:t>增加</a:t>
+            </a:r>
+            <a:r>
+              <a:rPr lang="en-US" altLang="zh-TW" sz="3600" dirty="0">
+                <a:latin typeface="標楷體" panose="03000509000000000000" pitchFamily="65" charset="-120"/>
+                <a:ea typeface="標楷體" panose="03000509000000000000" pitchFamily="65" charset="-120"/>
+              </a:rPr>
+              <a:t>1</a:t>
+            </a:r>
+            <a:r>
+              <a:rPr lang="zh-TW" altLang="en-US" sz="3600" dirty="0">
+                <a:latin typeface="標楷體" panose="03000509000000000000" pitchFamily="65" charset="-120"/>
+                <a:ea typeface="標楷體" panose="03000509000000000000" pitchFamily="65" charset="-120"/>
+              </a:rPr>
+              <a:t>年經驗會使薪資增加約</a:t>
+            </a:r>
+            <a:r>
+              <a:rPr lang="en-US" altLang="zh-TW" sz="3600" dirty="0">
+                <a:latin typeface="標楷體" panose="03000509000000000000" pitchFamily="65" charset="-120"/>
+                <a:ea typeface="標楷體" panose="03000509000000000000" pitchFamily="65" charset="-120"/>
+              </a:rPr>
+              <a:t>1.2</a:t>
+            </a:r>
+            <a:r>
+              <a:rPr lang="zh-TW" altLang="en-US" sz="3600" dirty="0">
+                <a:latin typeface="標楷體" panose="03000509000000000000" pitchFamily="65" charset="-120"/>
+                <a:ea typeface="標楷體" panose="03000509000000000000" pitchFamily="65" charset="-120"/>
+              </a:rPr>
+              <a:t>百萬美金，且能解釋約</a:t>
+            </a:r>
+            <a:r>
+              <a:rPr lang="en-US" altLang="zh-TW" sz="3600" dirty="0">
+                <a:latin typeface="標楷體" panose="03000509000000000000" pitchFamily="65" charset="-120"/>
+                <a:ea typeface="標楷體" panose="03000509000000000000" pitchFamily="65" charset="-120"/>
+              </a:rPr>
+              <a:t>26%</a:t>
+            </a:r>
+            <a:r>
+              <a:rPr lang="zh-TW" altLang="en-US" sz="3600" dirty="0">
+                <a:latin typeface="標楷體" panose="03000509000000000000" pitchFamily="65" charset="-120"/>
+                <a:ea typeface="標楷體" panose="03000509000000000000" pitchFamily="65" charset="-120"/>
+              </a:rPr>
+              <a:t>的薪資變異。</a:t>
+            </a:r>
+            <a:endParaRPr lang="zh-TW" altLang="zh-TW" sz="3600" dirty="0">
+              <a:latin typeface="標楷體" panose="03000509000000000000" pitchFamily="65" charset="-120"/>
+              <a:ea typeface="標楷體" panose="03000509000000000000" pitchFamily="65" charset="-120"/>
+              <a:cs typeface="Calibri" panose="020F0502020204030204" pitchFamily="34" charset="0"/>
+            </a:endParaRPr>
+          </a:p>
+        </p:txBody>
+      </p:sp>
+      <p:sp>
+        <p:nvSpPr>
+          <p:cNvPr id="8" name="文字方塊 7">
+            <a:extLst>
+              <a:ext uri="{FF2B5EF4-FFF2-40B4-BE49-F238E27FC236}">
+                <a16:creationId xmlns:a16="http://schemas.microsoft.com/office/drawing/2014/main" id="{92EDBA43-F5AB-8DC7-1F48-ACB707CC8C15}"/>
+              </a:ext>
+            </a:extLst>
+          </p:cNvPr>
+          <p:cNvSpPr txBox="1"/>
+          <p:nvPr/>
+        </p:nvSpPr>
+        <p:spPr>
+          <a:xfrm>
+            <a:off x="15504070" y="35338267"/>
+            <a:ext cx="15369583" cy="646331"/>
+          </a:xfrm>
+          <a:prstGeom prst="rect">
+            <a:avLst/>
+          </a:prstGeom>
+          <a:noFill/>
+        </p:spPr>
+        <p:txBody>
+          <a:bodyPr wrap="square" rtlCol="0">
+            <a:spAutoFit/>
+          </a:bodyPr>
+          <a:lstStyle/>
+          <a:p>
+            <a:pPr algn="ctr"/>
+            <a:r>
+              <a:rPr lang="zh-TW" altLang="en-US" sz="3600" dirty="0">
+                <a:latin typeface="標楷體" panose="03000509000000000000" pitchFamily="65" charset="-120"/>
+                <a:ea typeface="標楷體" panose="03000509000000000000" pitchFamily="65" charset="-120"/>
+              </a:rPr>
+              <a:t>評分對薪資的影響最大</a:t>
+            </a:r>
+            <a:r>
+              <a:rPr lang="en-US" altLang="zh-TW" sz="3600" dirty="0">
+                <a:latin typeface="標楷體" panose="03000509000000000000" pitchFamily="65" charset="-120"/>
+                <a:ea typeface="標楷體" panose="03000509000000000000" pitchFamily="65" charset="-120"/>
+              </a:rPr>
+              <a:t>(0.6785)</a:t>
+            </a:r>
+            <a:r>
+              <a:rPr lang="zh-TW" altLang="en-US" sz="3600" dirty="0">
+                <a:latin typeface="標楷體" panose="03000509000000000000" pitchFamily="65" charset="-120"/>
+                <a:ea typeface="標楷體" panose="03000509000000000000" pitchFamily="65" charset="-120"/>
+              </a:rPr>
+              <a:t>，遠高於工作經驗的影響力</a:t>
+            </a:r>
+            <a:r>
+              <a:rPr lang="en-US" altLang="zh-TW" sz="3600" dirty="0">
+                <a:latin typeface="標楷體" panose="03000509000000000000" pitchFamily="65" charset="-120"/>
+                <a:ea typeface="標楷體" panose="03000509000000000000" pitchFamily="65" charset="-120"/>
+              </a:rPr>
+              <a:t>(0.2470)</a:t>
+            </a:r>
+            <a:r>
+              <a:rPr lang="zh-TW" altLang="en-US" sz="3600" dirty="0">
+                <a:latin typeface="標楷體" panose="03000509000000000000" pitchFamily="65" charset="-120"/>
+                <a:ea typeface="標楷體" panose="03000509000000000000" pitchFamily="65" charset="-120"/>
+              </a:rPr>
+              <a:t>。 </a:t>
+            </a:r>
+            <a:endParaRPr lang="zh-TW" altLang="zh-TW" sz="3600" dirty="0">
+              <a:latin typeface="標楷體" panose="03000509000000000000" pitchFamily="65" charset="-120"/>
+              <a:ea typeface="標楷體" panose="03000509000000000000" pitchFamily="65" charset="-120"/>
+              <a:cs typeface="Calibri" panose="020F0502020204030204" pitchFamily="34" charset="0"/>
+            </a:endParaRPr>
+          </a:p>
+        </p:txBody>
+      </p:sp>
     </p:spTree>
     <p:extLst>
       <p:ext uri="{BB962C8B-B14F-4D97-AF65-F5344CB8AC3E}">

--- a/統計應用軟體期末海報.pptx
+++ b/統計應用軟體期末海報.pptx
@@ -3453,25 +3453,7 @@
                 </a:solidFill>
                 <a:hlinkClick r:id="rId3"/>
               </a:rPr>
-              <a:t>—NBA-Salary-</a:t>
-            </a:r>
-            <a:r>
-              <a:rPr lang="en-US" altLang="zh-TW" sz="4000" b="1" dirty="0">
-                <a:solidFill>
-                  <a:schemeClr val="tx1"/>
-                </a:solidFill>
-                <a:hlinkClick r:id="rId3"/>
-              </a:rPr>
-              <a:t>a</a:t>
-            </a:r>
-            <a:r>
-              <a:rPr lang="en-US" altLang="zh-TW" sz="4000" b="1" dirty="0">
-                <a:solidFill>
-                  <a:schemeClr val="tx1"/>
-                </a:solidFill>
-                <a:hlinkClick r:id="rId3"/>
-              </a:rPr>
-              <a:t>nalyze</a:t>
+              <a:t>—NBA-Salary-analyze</a:t>
             </a:r>
             <a:endParaRPr lang="en-US" altLang="zh-TW" sz="4000" b="1" dirty="0">
               <a:solidFill>
@@ -3674,11 +3656,18 @@
           <a:p>
             <a:pPr algn="just"/>
             <a:r>
+              <a:rPr lang="en-US" altLang="zh-TW" sz="3600" dirty="0">
+                <a:ea typeface="標楷體" panose="03000509000000000000" pitchFamily="65" charset="-120"/>
+                <a:cs typeface="Calibri" panose="020F0502020204030204" pitchFamily="34" charset="0"/>
+              </a:rPr>
+              <a:t>	</a:t>
+            </a:r>
+            <a:r>
               <a:rPr lang="zh-TW" altLang="en-US" sz="3600" dirty="0">
                 <a:ea typeface="標楷體" panose="03000509000000000000" pitchFamily="65" charset="-120"/>
                 <a:cs typeface="Calibri" panose="020F0502020204030204" pitchFamily="34" charset="0"/>
               </a:rPr>
-              <a:t>    根據迴歸分析結果，球員的薪資受到其年資與評分的顯著影響。標準化係數之後，顯示評分對薪資的影響力大於年資。然而，</a:t>
+              <a:t>根據迴歸分析結果，球員的薪資受到其年資與評分的顯著影響。標準化係數之後，顯示評分對薪資的影響力大於年資。然而，</a:t>
             </a:r>
             <a:r>
               <a:rPr lang="en-US" altLang="zh-TW" sz="3600" dirty="0">
@@ -3731,10 +3720,16 @@
           <a:p>
             <a:pPr algn="just" hangingPunct="0"/>
             <a:r>
+              <a:rPr lang="en-US" altLang="zh-TW" sz="3600" dirty="0">
+                <a:ea typeface="標楷體" panose="03000509000000000000" pitchFamily="65" charset="-120"/>
+              </a:rPr>
+              <a:t>	</a:t>
+            </a:r>
+            <a:r>
               <a:rPr lang="zh-TW" altLang="en-US" sz="3600" dirty="0">
                 <a:ea typeface="標楷體" panose="03000509000000000000" pitchFamily="65" charset="-120"/>
               </a:rPr>
-              <a:t>　　在大眾的印象中，</a:t>
+              <a:t>在大眾的印象中，</a:t>
             </a:r>
             <a:r>
               <a:rPr lang="en-US" altLang="zh-TW" sz="3600" dirty="0">
@@ -5446,7 +5441,7 @@
                 <a:latin typeface="標楷體" panose="03000509000000000000" pitchFamily="65" charset="-120"/>
                 <a:ea typeface="標楷體" panose="03000509000000000000" pitchFamily="65" charset="-120"/>
               </a:rPr>
-              <a:t>，遠高於工作經驗的影響力</a:t>
+              <a:t>，遠高於經驗的影響力</a:t>
             </a:r>
             <a:r>
               <a:rPr lang="en-US" altLang="zh-TW" sz="3600" dirty="0">

--- a/統計應用軟體期末海報.pptx
+++ b/統計應用軟體期末海報.pptx
@@ -254,7 +254,7 @@
           <a:p>
             <a:fld id="{C580F354-F3CB-4C5C-A1BB-5F7DD257D8E1}" type="datetimeFigureOut">
               <a:rPr lang="zh-TW" altLang="en-US" smtClean="0"/>
-              <a:t>2025/4/20</a:t>
+              <a:t>2025/4/23</a:t>
             </a:fld>
             <a:endParaRPr lang="zh-TW" altLang="en-US"/>
           </a:p>
@@ -424,7 +424,7 @@
           <a:p>
             <a:fld id="{C580F354-F3CB-4C5C-A1BB-5F7DD257D8E1}" type="datetimeFigureOut">
               <a:rPr lang="zh-TW" altLang="en-US" smtClean="0"/>
-              <a:t>2025/4/20</a:t>
+              <a:t>2025/4/23</a:t>
             </a:fld>
             <a:endParaRPr lang="zh-TW" altLang="en-US"/>
           </a:p>
@@ -604,7 +604,7 @@
           <a:p>
             <a:fld id="{C580F354-F3CB-4C5C-A1BB-5F7DD257D8E1}" type="datetimeFigureOut">
               <a:rPr lang="zh-TW" altLang="en-US" smtClean="0"/>
-              <a:t>2025/4/20</a:t>
+              <a:t>2025/4/23</a:t>
             </a:fld>
             <a:endParaRPr lang="zh-TW" altLang="en-US"/>
           </a:p>
@@ -774,7 +774,7 @@
           <a:p>
             <a:fld id="{C580F354-F3CB-4C5C-A1BB-5F7DD257D8E1}" type="datetimeFigureOut">
               <a:rPr lang="zh-TW" altLang="en-US" smtClean="0"/>
-              <a:t>2025/4/20</a:t>
+              <a:t>2025/4/23</a:t>
             </a:fld>
             <a:endParaRPr lang="zh-TW" altLang="en-US"/>
           </a:p>
@@ -1025,7 +1025,7 @@
           <a:p>
             <a:fld id="{C580F354-F3CB-4C5C-A1BB-5F7DD257D8E1}" type="datetimeFigureOut">
               <a:rPr lang="zh-TW" altLang="en-US" smtClean="0"/>
-              <a:t>2025/4/20</a:t>
+              <a:t>2025/4/23</a:t>
             </a:fld>
             <a:endParaRPr lang="zh-TW" altLang="en-US"/>
           </a:p>
@@ -1257,7 +1257,7 @@
           <a:p>
             <a:fld id="{C580F354-F3CB-4C5C-A1BB-5F7DD257D8E1}" type="datetimeFigureOut">
               <a:rPr lang="zh-TW" altLang="en-US" smtClean="0"/>
-              <a:t>2025/4/20</a:t>
+              <a:t>2025/4/23</a:t>
             </a:fld>
             <a:endParaRPr lang="zh-TW" altLang="en-US"/>
           </a:p>
@@ -1604,7 +1604,7 @@
           <a:p>
             <a:fld id="{C580F354-F3CB-4C5C-A1BB-5F7DD257D8E1}" type="datetimeFigureOut">
               <a:rPr lang="zh-TW" altLang="en-US" smtClean="0"/>
-              <a:t>2025/4/20</a:t>
+              <a:t>2025/4/23</a:t>
             </a:fld>
             <a:endParaRPr lang="zh-TW" altLang="en-US"/>
           </a:p>
@@ -1722,7 +1722,7 @@
           <a:p>
             <a:fld id="{C580F354-F3CB-4C5C-A1BB-5F7DD257D8E1}" type="datetimeFigureOut">
               <a:rPr lang="zh-TW" altLang="en-US" smtClean="0"/>
-              <a:t>2025/4/20</a:t>
+              <a:t>2025/4/23</a:t>
             </a:fld>
             <a:endParaRPr lang="zh-TW" altLang="en-US"/>
           </a:p>
@@ -1840,7 +1840,7 @@
           <a:p>
             <a:fld id="{C580F354-F3CB-4C5C-A1BB-5F7DD257D8E1}" type="datetimeFigureOut">
               <a:rPr lang="zh-TW" altLang="en-US" smtClean="0"/>
-              <a:t>2025/4/20</a:t>
+              <a:t>2025/4/23</a:t>
             </a:fld>
             <a:endParaRPr lang="zh-TW" altLang="en-US"/>
           </a:p>
@@ -2124,7 +2124,7 @@
           <a:p>
             <a:fld id="{C580F354-F3CB-4C5C-A1BB-5F7DD257D8E1}" type="datetimeFigureOut">
               <a:rPr lang="zh-TW" altLang="en-US" smtClean="0"/>
-              <a:t>2025/4/20</a:t>
+              <a:t>2025/4/23</a:t>
             </a:fld>
             <a:endParaRPr lang="zh-TW" altLang="en-US"/>
           </a:p>
@@ -2388,7 +2388,7 @@
           <a:p>
             <a:fld id="{C580F354-F3CB-4C5C-A1BB-5F7DD257D8E1}" type="datetimeFigureOut">
               <a:rPr lang="zh-TW" altLang="en-US" smtClean="0"/>
-              <a:t>2025/4/20</a:t>
+              <a:t>2025/4/23</a:t>
             </a:fld>
             <a:endParaRPr lang="zh-TW" altLang="en-US"/>
           </a:p>
@@ -2602,7 +2602,7 @@
           <a:p>
             <a:fld id="{C580F354-F3CB-4C5C-A1BB-5F7DD257D8E1}" type="datetimeFigureOut">
               <a:rPr lang="zh-TW" altLang="en-US" smtClean="0"/>
-              <a:t>2025/4/20</a:t>
+              <a:t>2025/4/23</a:t>
             </a:fld>
             <a:endParaRPr lang="zh-TW" altLang="en-US"/>
           </a:p>
@@ -4349,36 +4349,6 @@
           </a:prstGeom>
         </p:spPr>
       </p:pic>
-      <p:pic>
-        <p:nvPicPr>
-          <p:cNvPr id="37" name="圖片 36">
-            <a:extLst>
-              <a:ext uri="{FF2B5EF4-FFF2-40B4-BE49-F238E27FC236}">
-                <a16:creationId xmlns:a16="http://schemas.microsoft.com/office/drawing/2014/main" id="{B8183D16-1CDE-4ACE-9604-8CE80C53AF85}"/>
-              </a:ext>
-            </a:extLst>
-          </p:cNvPr>
-          <p:cNvPicPr>
-            <a:picLocks noChangeAspect="1"/>
-          </p:cNvPicPr>
-          <p:nvPr/>
-        </p:nvPicPr>
-        <p:blipFill>
-          <a:blip r:embed="rId7"/>
-          <a:stretch>
-            <a:fillRect/>
-          </a:stretch>
-        </p:blipFill>
-        <p:spPr>
-          <a:xfrm>
-            <a:off x="15457182" y="18164392"/>
-            <a:ext cx="8225903" cy="5317192"/>
-          </a:xfrm>
-          <a:prstGeom prst="rect">
-            <a:avLst/>
-          </a:prstGeom>
-        </p:spPr>
-      </p:pic>
       <p:sp>
         <p:nvSpPr>
           <p:cNvPr id="59" name="矩形 58">
@@ -4446,7 +4416,7 @@
           <p:nvPr/>
         </p:nvPicPr>
         <p:blipFill>
-          <a:blip r:embed="rId8"/>
+          <a:blip r:embed="rId7"/>
           <a:stretch>
             <a:fillRect/>
           </a:stretch>
@@ -4990,7 +4960,7 @@
           <p:nvPr/>
         </p:nvPicPr>
         <p:blipFill>
-          <a:blip r:embed="rId9"/>
+          <a:blip r:embed="rId8"/>
           <a:stretch>
             <a:fillRect/>
           </a:stretch>
@@ -5020,7 +4990,7 @@
           <p:nvPr/>
         </p:nvPicPr>
         <p:blipFill>
-          <a:blip r:embed="rId10"/>
+          <a:blip r:embed="rId9"/>
           <a:stretch>
             <a:fillRect/>
           </a:stretch>
@@ -5206,7 +5176,7 @@
           <p:nvPr/>
         </p:nvPicPr>
         <p:blipFill>
-          <a:blip r:embed="rId11"/>
+          <a:blip r:embed="rId10"/>
           <a:stretch>
             <a:fillRect/>
           </a:stretch>
@@ -5465,6 +5435,36 @@
           </a:p>
         </p:txBody>
       </p:sp>
+      <p:pic>
+        <p:nvPicPr>
+          <p:cNvPr id="11" name="圖片 10">
+            <a:extLst>
+              <a:ext uri="{FF2B5EF4-FFF2-40B4-BE49-F238E27FC236}">
+                <a16:creationId xmlns:a16="http://schemas.microsoft.com/office/drawing/2014/main" id="{09464066-A933-BFCD-2174-8D2B56F72D29}"/>
+              </a:ext>
+            </a:extLst>
+          </p:cNvPr>
+          <p:cNvPicPr>
+            <a:picLocks noChangeAspect="1"/>
+          </p:cNvPicPr>
+          <p:nvPr/>
+        </p:nvPicPr>
+        <p:blipFill>
+          <a:blip r:embed="rId11"/>
+          <a:stretch>
+            <a:fillRect/>
+          </a:stretch>
+        </p:blipFill>
+        <p:spPr>
+          <a:xfrm>
+            <a:off x="15628165" y="18164392"/>
+            <a:ext cx="8073621" cy="5414190"/>
+          </a:xfrm>
+          <a:prstGeom prst="rect">
+            <a:avLst/>
+          </a:prstGeom>
+        </p:spPr>
+      </p:pic>
     </p:spTree>
     <p:extLst>
       <p:ext uri="{BB962C8B-B14F-4D97-AF65-F5344CB8AC3E}">

--- a/統計應用軟體期末海報.pptx
+++ b/統計應用軟體期末海報.pptx
@@ -254,7 +254,7 @@
           <a:p>
             <a:fld id="{C580F354-F3CB-4C5C-A1BB-5F7DD257D8E1}" type="datetimeFigureOut">
               <a:rPr lang="zh-TW" altLang="en-US" smtClean="0"/>
-              <a:t>2025/4/23</a:t>
+              <a:t>2025/4/27</a:t>
             </a:fld>
             <a:endParaRPr lang="zh-TW" altLang="en-US"/>
           </a:p>
@@ -424,7 +424,7 @@
           <a:p>
             <a:fld id="{C580F354-F3CB-4C5C-A1BB-5F7DD257D8E1}" type="datetimeFigureOut">
               <a:rPr lang="zh-TW" altLang="en-US" smtClean="0"/>
-              <a:t>2025/4/23</a:t>
+              <a:t>2025/4/27</a:t>
             </a:fld>
             <a:endParaRPr lang="zh-TW" altLang="en-US"/>
           </a:p>
@@ -604,7 +604,7 @@
           <a:p>
             <a:fld id="{C580F354-F3CB-4C5C-A1BB-5F7DD257D8E1}" type="datetimeFigureOut">
               <a:rPr lang="zh-TW" altLang="en-US" smtClean="0"/>
-              <a:t>2025/4/23</a:t>
+              <a:t>2025/4/27</a:t>
             </a:fld>
             <a:endParaRPr lang="zh-TW" altLang="en-US"/>
           </a:p>
@@ -774,7 +774,7 @@
           <a:p>
             <a:fld id="{C580F354-F3CB-4C5C-A1BB-5F7DD257D8E1}" type="datetimeFigureOut">
               <a:rPr lang="zh-TW" altLang="en-US" smtClean="0"/>
-              <a:t>2025/4/23</a:t>
+              <a:t>2025/4/27</a:t>
             </a:fld>
             <a:endParaRPr lang="zh-TW" altLang="en-US"/>
           </a:p>
@@ -1025,7 +1025,7 @@
           <a:p>
             <a:fld id="{C580F354-F3CB-4C5C-A1BB-5F7DD257D8E1}" type="datetimeFigureOut">
               <a:rPr lang="zh-TW" altLang="en-US" smtClean="0"/>
-              <a:t>2025/4/23</a:t>
+              <a:t>2025/4/27</a:t>
             </a:fld>
             <a:endParaRPr lang="zh-TW" altLang="en-US"/>
           </a:p>
@@ -1257,7 +1257,7 @@
           <a:p>
             <a:fld id="{C580F354-F3CB-4C5C-A1BB-5F7DD257D8E1}" type="datetimeFigureOut">
               <a:rPr lang="zh-TW" altLang="en-US" smtClean="0"/>
-              <a:t>2025/4/23</a:t>
+              <a:t>2025/4/27</a:t>
             </a:fld>
             <a:endParaRPr lang="zh-TW" altLang="en-US"/>
           </a:p>
@@ -1604,7 +1604,7 @@
           <a:p>
             <a:fld id="{C580F354-F3CB-4C5C-A1BB-5F7DD257D8E1}" type="datetimeFigureOut">
               <a:rPr lang="zh-TW" altLang="en-US" smtClean="0"/>
-              <a:t>2025/4/23</a:t>
+              <a:t>2025/4/27</a:t>
             </a:fld>
             <a:endParaRPr lang="zh-TW" altLang="en-US"/>
           </a:p>
@@ -1722,7 +1722,7 @@
           <a:p>
             <a:fld id="{C580F354-F3CB-4C5C-A1BB-5F7DD257D8E1}" type="datetimeFigureOut">
               <a:rPr lang="zh-TW" altLang="en-US" smtClean="0"/>
-              <a:t>2025/4/23</a:t>
+              <a:t>2025/4/27</a:t>
             </a:fld>
             <a:endParaRPr lang="zh-TW" altLang="en-US"/>
           </a:p>
@@ -1840,7 +1840,7 @@
           <a:p>
             <a:fld id="{C580F354-F3CB-4C5C-A1BB-5F7DD257D8E1}" type="datetimeFigureOut">
               <a:rPr lang="zh-TW" altLang="en-US" smtClean="0"/>
-              <a:t>2025/4/23</a:t>
+              <a:t>2025/4/27</a:t>
             </a:fld>
             <a:endParaRPr lang="zh-TW" altLang="en-US"/>
           </a:p>
@@ -2124,7 +2124,7 @@
           <a:p>
             <a:fld id="{C580F354-F3CB-4C5C-A1BB-5F7DD257D8E1}" type="datetimeFigureOut">
               <a:rPr lang="zh-TW" altLang="en-US" smtClean="0"/>
-              <a:t>2025/4/23</a:t>
+              <a:t>2025/4/27</a:t>
             </a:fld>
             <a:endParaRPr lang="zh-TW" altLang="en-US"/>
           </a:p>
@@ -2388,7 +2388,7 @@
           <a:p>
             <a:fld id="{C580F354-F3CB-4C5C-A1BB-5F7DD257D8E1}" type="datetimeFigureOut">
               <a:rPr lang="zh-TW" altLang="en-US" smtClean="0"/>
-              <a:t>2025/4/23</a:t>
+              <a:t>2025/4/27</a:t>
             </a:fld>
             <a:endParaRPr lang="zh-TW" altLang="en-US"/>
           </a:p>
@@ -2602,7 +2602,7 @@
           <a:p>
             <a:fld id="{C580F354-F3CB-4C5C-A1BB-5F7DD257D8E1}" type="datetimeFigureOut">
               <a:rPr lang="zh-TW" altLang="en-US" smtClean="0"/>
-              <a:t>2025/4/23</a:t>
+              <a:t>2025/4/27</a:t>
             </a:fld>
             <a:endParaRPr lang="zh-TW" altLang="en-US"/>
           </a:p>
@@ -3640,8 +3640,8 @@
         </p:nvSpPr>
         <p:spPr>
           <a:xfrm>
-            <a:off x="15529518" y="38080233"/>
-            <a:ext cx="15369583" cy="2308324"/>
+            <a:off x="15504069" y="37808491"/>
+            <a:ext cx="15369583" cy="2862322"/>
           </a:xfrm>
           <a:prstGeom prst="rect">
             <a:avLst/>
@@ -3667,7 +3667,7 @@
                 <a:ea typeface="標楷體" panose="03000509000000000000" pitchFamily="65" charset="-120"/>
                 <a:cs typeface="Calibri" panose="020F0502020204030204" pitchFamily="34" charset="0"/>
               </a:rPr>
-              <a:t>根據迴歸分析結果，球員的薪資受到其年資與評分的顯著影響。標準化係數之後，顯示評分對薪資的影響力大於年資。然而，</a:t>
+              <a:t>根據迴歸分析，球員薪資受到經驗與評分的顯著影響，且評分對薪資的影響力大於年資。</a:t>
             </a:r>
             <a:r>
               <a:rPr lang="en-US" altLang="zh-TW" sz="3600" dirty="0">
@@ -3681,7 +3681,7 @@
                 <a:ea typeface="標楷體" panose="03000509000000000000" pitchFamily="65" charset="-120"/>
                 <a:cs typeface="Calibri" panose="020F0502020204030204" pitchFamily="34" charset="0"/>
               </a:rPr>
-              <a:t>分析顯示球隊對薪資並無顯著影響，球隊並非決定薪資的主要因素。整體結果說明，個人表現與經歷比所屬球隊更能解釋薪資差異。</a:t>
+              <a:t>分析顯示球隊對薪資並無顯著影響，球隊並非決定薪資的主要因素。結果表明，經驗與評分比所屬球隊更能解釋薪資差異。薪資整體分布呈現明顯的右偏性，是受到少數球員極高薪資的影響。球員的個人表現與經驗才是決定薪資差異的主要因素，而非球隊背景。</a:t>
             </a:r>
             <a:endParaRPr lang="zh-TW" altLang="zh-TW" sz="3600" dirty="0">
               <a:ea typeface="標楷體" panose="03000509000000000000" pitchFamily="65" charset="-120"/>
@@ -3964,7 +3964,7 @@
         </p:blipFill>
         <p:spPr>
           <a:xfrm>
-            <a:off x="907124" y="10668752"/>
+            <a:off x="907124" y="10511237"/>
             <a:ext cx="13800634" cy="10169856"/>
           </a:xfrm>
           <a:prstGeom prst="rect">
@@ -4038,13 +4038,13 @@
           <p:nvPr>
             <p:extLst>
               <p:ext uri="{D42A27DB-BD31-4B8C-83A1-F6EECF244321}">
-                <p14:modId xmlns:p14="http://schemas.microsoft.com/office/powerpoint/2010/main" val="3330116568"/>
+                <p14:modId xmlns:p14="http://schemas.microsoft.com/office/powerpoint/2010/main" val="2069743058"/>
               </p:ext>
             </p:extLst>
           </p:nvPr>
         </p:nvGraphicFramePr>
         <p:xfrm>
-          <a:off x="1363484" y="21220488"/>
+          <a:off x="1381667" y="20830300"/>
           <a:ext cx="13162464" cy="2588395"/>
         </p:xfrm>
         <a:graphic>
@@ -4498,13 +4498,13 @@
           <p:nvPr>
             <p:extLst>
               <p:ext uri="{D42A27DB-BD31-4B8C-83A1-F6EECF244321}">
-                <p14:modId xmlns:p14="http://schemas.microsoft.com/office/powerpoint/2010/main" val="1190048373"/>
+                <p14:modId xmlns:p14="http://schemas.microsoft.com/office/powerpoint/2010/main" val="3891121341"/>
               </p:ext>
             </p:extLst>
           </p:nvPr>
         </p:nvGraphicFramePr>
         <p:xfrm>
-          <a:off x="907122" y="36950124"/>
+          <a:off x="907122" y="36159800"/>
           <a:ext cx="13800636" cy="3740452"/>
         </p:xfrm>
         <a:graphic>
@@ -5183,7 +5183,7 @@
         </p:blipFill>
         <p:spPr>
           <a:xfrm>
-            <a:off x="907122" y="26406743"/>
+            <a:off x="907122" y="26091056"/>
             <a:ext cx="13567565" cy="10041399"/>
           </a:xfrm>
           <a:prstGeom prst="rect">
@@ -5465,6 +5465,94 @@
           </a:prstGeom>
         </p:spPr>
       </p:pic>
+      <p:sp>
+        <p:nvSpPr>
+          <p:cNvPr id="10" name="文字方塊 9">
+            <a:extLst>
+              <a:ext uri="{FF2B5EF4-FFF2-40B4-BE49-F238E27FC236}">
+                <a16:creationId xmlns:a16="http://schemas.microsoft.com/office/drawing/2014/main" id="{32B5B671-7779-2186-E1F6-BF03FCF3B270}"/>
+              </a:ext>
+            </a:extLst>
+          </p:cNvPr>
+          <p:cNvSpPr txBox="1"/>
+          <p:nvPr/>
+        </p:nvSpPr>
+        <p:spPr>
+          <a:xfrm>
+            <a:off x="1153317" y="23615737"/>
+            <a:ext cx="13619159" cy="646331"/>
+          </a:xfrm>
+          <a:prstGeom prst="rect">
+            <a:avLst/>
+          </a:prstGeom>
+          <a:noFill/>
+        </p:spPr>
+        <p:txBody>
+          <a:bodyPr wrap="square" rtlCol="0">
+            <a:spAutoFit/>
+          </a:bodyPr>
+          <a:lstStyle/>
+          <a:p>
+            <a:pPr algn="ctr"/>
+            <a:r>
+              <a:rPr lang="zh-TW" altLang="en-US" sz="3600" dirty="0">
+                <a:latin typeface="標楷體" panose="03000509000000000000" pitchFamily="65" charset="-120"/>
+                <a:ea typeface="標楷體" panose="03000509000000000000" pitchFamily="65" charset="-120"/>
+              </a:rPr>
+              <a:t>薪資分佈並非常態，呈現右偏，代表某些因素會顯著影響球員薪資。</a:t>
+            </a:r>
+            <a:endParaRPr lang="zh-TW" altLang="zh-TW" sz="3600" dirty="0">
+              <a:latin typeface="標楷體" panose="03000509000000000000" pitchFamily="65" charset="-120"/>
+              <a:ea typeface="標楷體" panose="03000509000000000000" pitchFamily="65" charset="-120"/>
+              <a:cs typeface="Calibri" panose="020F0502020204030204" pitchFamily="34" charset="0"/>
+            </a:endParaRPr>
+          </a:p>
+        </p:txBody>
+      </p:sp>
+      <p:sp>
+        <p:nvSpPr>
+          <p:cNvPr id="13" name="文字方塊 12">
+            <a:extLst>
+              <a:ext uri="{FF2B5EF4-FFF2-40B4-BE49-F238E27FC236}">
+                <a16:creationId xmlns:a16="http://schemas.microsoft.com/office/drawing/2014/main" id="{BB5B8BFE-3A59-DC54-90CB-107534903AEE}"/>
+              </a:ext>
+            </a:extLst>
+          </p:cNvPr>
+          <p:cNvSpPr txBox="1"/>
+          <p:nvPr/>
+        </p:nvSpPr>
+        <p:spPr>
+          <a:xfrm>
+            <a:off x="1347863" y="40025960"/>
+            <a:ext cx="13230069" cy="646331"/>
+          </a:xfrm>
+          <a:prstGeom prst="rect">
+            <a:avLst/>
+          </a:prstGeom>
+          <a:noFill/>
+        </p:spPr>
+        <p:txBody>
+          <a:bodyPr wrap="square" rtlCol="0">
+            <a:spAutoFit/>
+          </a:bodyPr>
+          <a:lstStyle/>
+          <a:p>
+            <a:pPr algn="ctr"/>
+            <a:r>
+              <a:rPr lang="zh-TW" altLang="en-US" sz="3600" dirty="0">
+                <a:latin typeface="標楷體" panose="03000509000000000000" pitchFamily="65" charset="-120"/>
+                <a:ea typeface="標楷體" panose="03000509000000000000" pitchFamily="65" charset="-120"/>
+              </a:rPr>
+              <a:t>根據變異數分析的結果，發現球隊對於薪資的影響並不顯著。 </a:t>
+            </a:r>
+            <a:endParaRPr lang="zh-TW" altLang="zh-TW" sz="3600" dirty="0">
+              <a:latin typeface="標楷體" panose="03000509000000000000" pitchFamily="65" charset="-120"/>
+              <a:ea typeface="標楷體" panose="03000509000000000000" pitchFamily="65" charset="-120"/>
+              <a:cs typeface="Calibri" panose="020F0502020204030204" pitchFamily="34" charset="0"/>
+            </a:endParaRPr>
+          </a:p>
+        </p:txBody>
+      </p:sp>
     </p:spTree>
     <p:extLst>
       <p:ext uri="{BB962C8B-B14F-4D97-AF65-F5344CB8AC3E}">
